--- a/Доп инфа/NAT.pptx
+++ b/Доп инфа/NAT.pptx
@@ -9,18 +9,17 @@
     <p:sldId id="257" r:id="rId3"/>
     <p:sldId id="275" r:id="rId4"/>
     <p:sldId id="268" r:id="rId5"/>
-    <p:sldId id="258" r:id="rId6"/>
-    <p:sldId id="269" r:id="rId7"/>
-    <p:sldId id="270" r:id="rId8"/>
-    <p:sldId id="271" r:id="rId9"/>
-    <p:sldId id="272" r:id="rId10"/>
-    <p:sldId id="273" r:id="rId11"/>
-    <p:sldId id="259" r:id="rId12"/>
-    <p:sldId id="260" r:id="rId13"/>
-    <p:sldId id="261" r:id="rId14"/>
-    <p:sldId id="262" r:id="rId15"/>
-    <p:sldId id="267" r:id="rId16"/>
-    <p:sldId id="274" r:id="rId17"/>
+    <p:sldId id="269" r:id="rId6"/>
+    <p:sldId id="270" r:id="rId7"/>
+    <p:sldId id="271" r:id="rId8"/>
+    <p:sldId id="272" r:id="rId9"/>
+    <p:sldId id="273" r:id="rId10"/>
+    <p:sldId id="259" r:id="rId11"/>
+    <p:sldId id="260" r:id="rId12"/>
+    <p:sldId id="261" r:id="rId13"/>
+    <p:sldId id="262" r:id="rId14"/>
+    <p:sldId id="267" r:id="rId15"/>
+    <p:sldId id="274" r:id="rId16"/>
   </p:sldIdLst>
   <p:sldSz cx="9144000" cy="6858000" type="screen4x3"/>
   <p:notesSz cx="6858000" cy="9144000"/>
@@ -318,7 +317,7 @@
             <a:fld id="{2D466D6C-8258-461C-BF56-FB2BDBDD3344}" type="datetimeFigureOut">
               <a:rPr lang="ru-RU" smtClean="0"/>
               <a:pPr/>
-              <a:t>24.11.2021</a:t>
+              <a:t>19.04.2023</a:t>
             </a:fld>
             <a:endParaRPr lang="ru-RU"/>
           </a:p>
@@ -483,7 +482,7 @@
             <a:fld id="{2D466D6C-8258-461C-BF56-FB2BDBDD3344}" type="datetimeFigureOut">
               <a:rPr lang="ru-RU" smtClean="0"/>
               <a:pPr/>
-              <a:t>24.11.2021</a:t>
+              <a:t>19.04.2023</a:t>
             </a:fld>
             <a:endParaRPr lang="ru-RU"/>
           </a:p>
@@ -658,7 +657,7 @@
             <a:fld id="{2D466D6C-8258-461C-BF56-FB2BDBDD3344}" type="datetimeFigureOut">
               <a:rPr lang="ru-RU" smtClean="0"/>
               <a:pPr/>
-              <a:t>24.11.2021</a:t>
+              <a:t>19.04.2023</a:t>
             </a:fld>
             <a:endParaRPr lang="ru-RU"/>
           </a:p>
@@ -823,7 +822,7 @@
             <a:fld id="{2D466D6C-8258-461C-BF56-FB2BDBDD3344}" type="datetimeFigureOut">
               <a:rPr lang="ru-RU" smtClean="0"/>
               <a:pPr/>
-              <a:t>24.11.2021</a:t>
+              <a:t>19.04.2023</a:t>
             </a:fld>
             <a:endParaRPr lang="ru-RU"/>
           </a:p>
@@ -1065,7 +1064,7 @@
             <a:fld id="{2D466D6C-8258-461C-BF56-FB2BDBDD3344}" type="datetimeFigureOut">
               <a:rPr lang="ru-RU" smtClean="0"/>
               <a:pPr/>
-              <a:t>24.11.2021</a:t>
+              <a:t>19.04.2023</a:t>
             </a:fld>
             <a:endParaRPr lang="ru-RU"/>
           </a:p>
@@ -1347,7 +1346,7 @@
             <a:fld id="{2D466D6C-8258-461C-BF56-FB2BDBDD3344}" type="datetimeFigureOut">
               <a:rPr lang="ru-RU" smtClean="0"/>
               <a:pPr/>
-              <a:t>24.11.2021</a:t>
+              <a:t>19.04.2023</a:t>
             </a:fld>
             <a:endParaRPr lang="ru-RU"/>
           </a:p>
@@ -1763,7 +1762,7 @@
             <a:fld id="{2D466D6C-8258-461C-BF56-FB2BDBDD3344}" type="datetimeFigureOut">
               <a:rPr lang="ru-RU" smtClean="0"/>
               <a:pPr/>
-              <a:t>24.11.2021</a:t>
+              <a:t>19.04.2023</a:t>
             </a:fld>
             <a:endParaRPr lang="ru-RU"/>
           </a:p>
@@ -1877,7 +1876,7 @@
             <a:fld id="{2D466D6C-8258-461C-BF56-FB2BDBDD3344}" type="datetimeFigureOut">
               <a:rPr lang="ru-RU" smtClean="0"/>
               <a:pPr/>
-              <a:t>24.11.2021</a:t>
+              <a:t>19.04.2023</a:t>
             </a:fld>
             <a:endParaRPr lang="ru-RU"/>
           </a:p>
@@ -1969,7 +1968,7 @@
             <a:fld id="{2D466D6C-8258-461C-BF56-FB2BDBDD3344}" type="datetimeFigureOut">
               <a:rPr lang="ru-RU" smtClean="0"/>
               <a:pPr/>
-              <a:t>24.11.2021</a:t>
+              <a:t>19.04.2023</a:t>
             </a:fld>
             <a:endParaRPr lang="ru-RU"/>
           </a:p>
@@ -2241,7 +2240,7 @@
             <a:fld id="{2D466D6C-8258-461C-BF56-FB2BDBDD3344}" type="datetimeFigureOut">
               <a:rPr lang="ru-RU" smtClean="0"/>
               <a:pPr/>
-              <a:t>24.11.2021</a:t>
+              <a:t>19.04.2023</a:t>
             </a:fld>
             <a:endParaRPr lang="ru-RU"/>
           </a:p>
@@ -2490,7 +2489,7 @@
             <a:fld id="{2D466D6C-8258-461C-BF56-FB2BDBDD3344}" type="datetimeFigureOut">
               <a:rPr lang="ru-RU" smtClean="0"/>
               <a:pPr/>
-              <a:t>24.11.2021</a:t>
+              <a:t>19.04.2023</a:t>
             </a:fld>
             <a:endParaRPr lang="ru-RU"/>
           </a:p>
@@ -2698,7 +2697,7 @@
             <a:fld id="{2D466D6C-8258-461C-BF56-FB2BDBDD3344}" type="datetimeFigureOut">
               <a:rPr lang="ru-RU" smtClean="0"/>
               <a:pPr/>
-              <a:t>24.11.2021</a:t>
+              <a:t>19.04.2023</a:t>
             </a:fld>
             <a:endParaRPr lang="ru-RU"/>
           </a:p>
@@ -3150,414 +3149,6 @@
       </p:grpSpPr>
       <p:sp>
         <p:nvSpPr>
-          <p:cNvPr id="29697" name="Rectangle 1"/>
-          <p:cNvSpPr>
-            <a:spLocks noChangeArrowheads="1"/>
-          </p:cNvSpPr>
-          <p:nvPr/>
-        </p:nvSpPr>
-        <p:spPr bwMode="auto">
-          <a:xfrm>
-            <a:off x="285720" y="285728"/>
-            <a:ext cx="8215370" cy="1323439"/>
-          </a:xfrm>
-          <a:prstGeom prst="rect">
-            <a:avLst/>
-          </a:prstGeom>
-          <a:noFill/>
-          <a:ln w="9525">
-            <a:noFill/>
-            <a:miter lim="800000"/>
-            <a:headEnd/>
-            <a:tailEnd/>
-          </a:ln>
-          <a:effectLst/>
-        </p:spPr>
-        <p:txBody>
-          <a:bodyPr vert="horz" wrap="square" lIns="91440" tIns="45720" rIns="91440" bIns="45720" numCol="1" anchor="ctr" anchorCtr="0" compatLnSpc="1">
-            <a:prstTxWarp prst="textNoShape">
-              <a:avLst/>
-            </a:prstTxWarp>
-            <a:spAutoFit/>
-          </a:bodyPr>
-          <a:lstStyle/>
-          <a:p>
-            <a:pPr marL="0" marR="0" lvl="0" indent="0" algn="l" defTabSz="914400" rtl="0" eaLnBrk="1" fontAlgn="base" latinLnBrk="0" hangingPunct="1">
-              <a:lnSpc>
-                <a:spcPct val="100000"/>
-              </a:lnSpc>
-              <a:spcBef>
-                <a:spcPct val="0"/>
-              </a:spcBef>
-              <a:spcAft>
-                <a:spcPct val="0"/>
-              </a:spcAft>
-              <a:buClrTx/>
-              <a:buSzTx/>
-              <a:buFontTx/>
-              <a:buNone/>
-              <a:tabLst/>
-            </a:pPr>
-            <a:r>
-              <a:rPr kumimoji="0" lang="ru-RU" sz="2000" b="0" i="0" u="none" strike="noStrike" cap="none" normalizeH="0" baseline="0" dirty="0">
-                <a:ln>
-                  <a:noFill/>
-                </a:ln>
-                <a:solidFill>
-                  <a:schemeClr val="tx1"/>
-                </a:solidFill>
-                <a:effectLst/>
-                <a:latin typeface="Arial" pitchFamily="34" charset="0"/>
-                <a:ea typeface="Calibri" pitchFamily="34" charset="0"/>
-                <a:cs typeface="Arial" pitchFamily="34" charset="0"/>
-              </a:rPr>
-              <a:t>Межсетевой экран или сетевой экран </a:t>
-            </a:r>
-            <a:r>
-              <a:rPr kumimoji="0" lang="ru-RU" sz="2000" b="0" i="0" u="none" strike="noStrike" cap="none" normalizeH="0" baseline="0" dirty="0">
-                <a:ln>
-                  <a:noFill/>
-                </a:ln>
-                <a:solidFill>
-                  <a:schemeClr val="tx1"/>
-                </a:solidFill>
-                <a:effectLst/>
-                <a:latin typeface="Calibri"/>
-                <a:ea typeface="Calibri" pitchFamily="34" charset="0"/>
-                <a:cs typeface="Arial" pitchFamily="34" charset="0"/>
-              </a:rPr>
-              <a:t>—</a:t>
-            </a:r>
-            <a:r>
-              <a:rPr kumimoji="0" lang="ru-RU" sz="2000" b="0" i="0" u="none" strike="noStrike" cap="none" normalizeH="0" baseline="0" dirty="0">
-                <a:ln>
-                  <a:noFill/>
-                </a:ln>
-                <a:solidFill>
-                  <a:schemeClr val="tx1"/>
-                </a:solidFill>
-                <a:effectLst/>
-                <a:latin typeface="Arial" pitchFamily="34" charset="0"/>
-                <a:ea typeface="Calibri" pitchFamily="34" charset="0"/>
-                <a:cs typeface="Arial" pitchFamily="34" charset="0"/>
-              </a:rPr>
-              <a:t> комплекс аппаратных или программных средств, осуществляющий контроль и фильтрацию проходящих через него сетевых пакетов в соответствии с заданными правилами.</a:t>
-            </a:r>
-            <a:endParaRPr kumimoji="0" lang="ru-RU" sz="3200" b="0" i="0" u="none" strike="noStrike" cap="none" normalizeH="0" baseline="0" dirty="0">
-              <a:ln>
-                <a:noFill/>
-              </a:ln>
-              <a:solidFill>
-                <a:schemeClr val="tx1"/>
-              </a:solidFill>
-              <a:effectLst/>
-              <a:latin typeface="Arial" pitchFamily="34" charset="0"/>
-              <a:cs typeface="Arial" pitchFamily="34" charset="0"/>
-            </a:endParaRPr>
-          </a:p>
-        </p:txBody>
-      </p:sp>
-      <p:sp>
-        <p:nvSpPr>
-          <p:cNvPr id="29698" name="Rectangle 2"/>
-          <p:cNvSpPr>
-            <a:spLocks noChangeArrowheads="1"/>
-          </p:cNvSpPr>
-          <p:nvPr/>
-        </p:nvSpPr>
-        <p:spPr bwMode="auto">
-          <a:xfrm>
-            <a:off x="357158" y="1857364"/>
-            <a:ext cx="8501122" cy="1938992"/>
-          </a:xfrm>
-          <a:prstGeom prst="rect">
-            <a:avLst/>
-          </a:prstGeom>
-          <a:noFill/>
-          <a:ln w="9525">
-            <a:noFill/>
-            <a:miter lim="800000"/>
-            <a:headEnd/>
-            <a:tailEnd/>
-          </a:ln>
-          <a:effectLst/>
-        </p:spPr>
-        <p:txBody>
-          <a:bodyPr vert="horz" wrap="square" lIns="91440" tIns="45720" rIns="91440" bIns="45720" numCol="1" anchor="ctr" anchorCtr="0" compatLnSpc="1">
-            <a:prstTxWarp prst="textNoShape">
-              <a:avLst/>
-            </a:prstTxWarp>
-            <a:spAutoFit/>
-          </a:bodyPr>
-          <a:lstStyle/>
-          <a:p>
-            <a:pPr marL="0" marR="0" lvl="0" indent="0" algn="l" defTabSz="914400" rtl="0" eaLnBrk="1" fontAlgn="base" latinLnBrk="0" hangingPunct="1">
-              <a:lnSpc>
-                <a:spcPct val="100000"/>
-              </a:lnSpc>
-              <a:spcBef>
-                <a:spcPct val="0"/>
-              </a:spcBef>
-              <a:spcAft>
-                <a:spcPct val="0"/>
-              </a:spcAft>
-              <a:buClrTx/>
-              <a:buSzTx/>
-              <a:buFontTx/>
-              <a:buNone/>
-              <a:tabLst/>
-            </a:pPr>
-            <a:r>
-              <a:rPr kumimoji="0" lang="ru-RU" sz="2000" b="0" i="0" u="none" strike="noStrike" cap="none" normalizeH="0" baseline="0" dirty="0" err="1">
-                <a:ln>
-                  <a:noFill/>
-                </a:ln>
-                <a:solidFill>
-                  <a:schemeClr val="tx1"/>
-                </a:solidFill>
-                <a:effectLst/>
-                <a:latin typeface="Arial" pitchFamily="34" charset="0"/>
-                <a:ea typeface="Calibri" pitchFamily="34" charset="0"/>
-                <a:cs typeface="Arial" pitchFamily="34" charset="0"/>
-              </a:rPr>
-              <a:t>Брандма́уэр</a:t>
-            </a:r>
-            <a:r>
-              <a:rPr kumimoji="0" lang="ru-RU" sz="2000" b="0" i="0" u="none" strike="noStrike" cap="none" normalizeH="0" baseline="0" dirty="0">
-                <a:ln>
-                  <a:noFill/>
-                </a:ln>
-                <a:solidFill>
-                  <a:schemeClr val="tx1"/>
-                </a:solidFill>
-                <a:effectLst/>
-                <a:latin typeface="Arial" pitchFamily="34" charset="0"/>
-                <a:ea typeface="Calibri" pitchFamily="34" charset="0"/>
-                <a:cs typeface="Arial" pitchFamily="34" charset="0"/>
-              </a:rPr>
-              <a:t> (нем. </a:t>
-            </a:r>
-            <a:r>
-              <a:rPr kumimoji="0" lang="en-US" sz="2000" b="0" i="0" u="none" strike="noStrike" cap="none" normalizeH="0" baseline="0" dirty="0" err="1">
-                <a:ln>
-                  <a:noFill/>
-                </a:ln>
-                <a:solidFill>
-                  <a:schemeClr val="tx1"/>
-                </a:solidFill>
-                <a:effectLst/>
-                <a:latin typeface="Arial" pitchFamily="34" charset="0"/>
-                <a:ea typeface="Calibri" pitchFamily="34" charset="0"/>
-                <a:cs typeface="Arial" pitchFamily="34" charset="0"/>
-              </a:rPr>
-              <a:t>Brandmauer</a:t>
-            </a:r>
-            <a:r>
-              <a:rPr kumimoji="0" lang="ru-RU" sz="2000" b="0" i="0" u="none" strike="noStrike" cap="none" normalizeH="0" baseline="0" dirty="0">
-                <a:ln>
-                  <a:noFill/>
-                </a:ln>
-                <a:solidFill>
-                  <a:schemeClr val="tx1"/>
-                </a:solidFill>
-                <a:effectLst/>
-                <a:latin typeface="Arial" pitchFamily="34" charset="0"/>
-                <a:ea typeface="Calibri" pitchFamily="34" charset="0"/>
-                <a:cs typeface="Arial" pitchFamily="34" charset="0"/>
-              </a:rPr>
-              <a:t>) </a:t>
-            </a:r>
-            <a:r>
-              <a:rPr kumimoji="0" lang="ru-RU" sz="2000" b="0" i="0" u="none" strike="noStrike" cap="none" normalizeH="0" baseline="0" dirty="0">
-                <a:ln>
-                  <a:noFill/>
-                </a:ln>
-                <a:solidFill>
-                  <a:schemeClr val="tx1"/>
-                </a:solidFill>
-                <a:effectLst/>
-                <a:latin typeface="Calibri"/>
-                <a:ea typeface="Calibri" pitchFamily="34" charset="0"/>
-                <a:cs typeface="Arial" pitchFamily="34" charset="0"/>
-              </a:rPr>
-              <a:t>—</a:t>
-            </a:r>
-            <a:r>
-              <a:rPr kumimoji="0" lang="ru-RU" sz="2000" b="0" i="0" u="none" strike="noStrike" cap="none" normalizeH="0" baseline="0" dirty="0">
-                <a:ln>
-                  <a:noFill/>
-                </a:ln>
-                <a:solidFill>
-                  <a:schemeClr val="tx1"/>
-                </a:solidFill>
-                <a:effectLst/>
-                <a:latin typeface="Arial" pitchFamily="34" charset="0"/>
-                <a:ea typeface="Calibri" pitchFamily="34" charset="0"/>
-                <a:cs typeface="Arial" pitchFamily="34" charset="0"/>
-              </a:rPr>
-              <a:t> заимствованный из немецкого языка термин, являющийся аналогом английского </a:t>
-            </a:r>
-            <a:r>
-              <a:rPr kumimoji="0" lang="en-US" sz="2000" b="0" i="0" u="none" strike="noStrike" cap="none" normalizeH="0" baseline="0" dirty="0">
-                <a:ln>
-                  <a:noFill/>
-                </a:ln>
-                <a:solidFill>
-                  <a:schemeClr val="tx1"/>
-                </a:solidFill>
-                <a:effectLst/>
-                <a:latin typeface="Arial" pitchFamily="34" charset="0"/>
-                <a:ea typeface="Calibri" pitchFamily="34" charset="0"/>
-                <a:cs typeface="Arial" pitchFamily="34" charset="0"/>
-              </a:rPr>
-              <a:t>firewall</a:t>
-            </a:r>
-            <a:r>
-              <a:rPr kumimoji="0" lang="ru-RU" sz="2000" b="0" i="0" u="none" strike="noStrike" cap="none" normalizeH="0" baseline="0" dirty="0">
-                <a:ln>
-                  <a:noFill/>
-                </a:ln>
-                <a:solidFill>
-                  <a:schemeClr val="tx1"/>
-                </a:solidFill>
-                <a:effectLst/>
-                <a:latin typeface="Arial" pitchFamily="34" charset="0"/>
-                <a:ea typeface="Calibri" pitchFamily="34" charset="0"/>
-                <a:cs typeface="Arial" pitchFamily="34" charset="0"/>
-              </a:rPr>
-              <a:t> в его оригинальном значении (стена, которая разделяет смежные здания, предохраняя от распространения пожара). Интересно, что в области компьютерных технологий в немецком языке употребляется слово </a:t>
-            </a:r>
-            <a:r>
-              <a:rPr kumimoji="0" lang="ru-RU" sz="2000" b="0" i="0" u="none" strike="noStrike" cap="none" normalizeH="0" baseline="0" dirty="0">
-                <a:ln>
-                  <a:noFill/>
-                </a:ln>
-                <a:solidFill>
-                  <a:schemeClr val="tx1"/>
-                </a:solidFill>
-                <a:effectLst/>
-                <a:latin typeface="Calibri"/>
-                <a:ea typeface="Calibri" pitchFamily="34" charset="0"/>
-                <a:cs typeface="Arial" pitchFamily="34" charset="0"/>
-              </a:rPr>
-              <a:t>«</a:t>
-            </a:r>
-            <a:r>
-              <a:rPr kumimoji="0" lang="en-US" sz="2000" b="0" i="0" u="none" strike="noStrike" cap="none" normalizeH="0" baseline="0" dirty="0">
-                <a:ln>
-                  <a:noFill/>
-                </a:ln>
-                <a:solidFill>
-                  <a:schemeClr val="tx1"/>
-                </a:solidFill>
-                <a:effectLst/>
-                <a:latin typeface="Arial" pitchFamily="34" charset="0"/>
-                <a:ea typeface="Calibri" pitchFamily="34" charset="0"/>
-                <a:cs typeface="Arial" pitchFamily="34" charset="0"/>
-              </a:rPr>
-              <a:t>firewall</a:t>
-            </a:r>
-            <a:r>
-              <a:rPr kumimoji="0" lang="ru-RU" sz="2000" b="0" i="0" u="none" strike="noStrike" cap="none" normalizeH="0" baseline="0" dirty="0">
-                <a:ln>
-                  <a:noFill/>
-                </a:ln>
-                <a:solidFill>
-                  <a:schemeClr val="tx1"/>
-                </a:solidFill>
-                <a:effectLst/>
-                <a:latin typeface="Calibri"/>
-                <a:ea typeface="Calibri" pitchFamily="34" charset="0"/>
-                <a:cs typeface="Arial" pitchFamily="34" charset="0"/>
-              </a:rPr>
-              <a:t>»</a:t>
-            </a:r>
-            <a:r>
-              <a:rPr kumimoji="0" lang="ru-RU" sz="2000" b="0" i="0" u="none" strike="noStrike" cap="none" normalizeH="0" baseline="0" dirty="0">
-                <a:ln>
-                  <a:noFill/>
-                </a:ln>
-                <a:solidFill>
-                  <a:schemeClr val="tx1"/>
-                </a:solidFill>
-                <a:effectLst/>
-                <a:latin typeface="Arial" pitchFamily="34" charset="0"/>
-                <a:ea typeface="Calibri" pitchFamily="34" charset="0"/>
-                <a:cs typeface="Arial" pitchFamily="34" charset="0"/>
-              </a:rPr>
-              <a:t>.</a:t>
-            </a:r>
-            <a:endParaRPr kumimoji="0" lang="ru-RU" sz="3200" b="0" i="0" u="none" strike="noStrike" cap="none" normalizeH="0" baseline="0" dirty="0">
-              <a:ln>
-                <a:noFill/>
-              </a:ln>
-              <a:solidFill>
-                <a:schemeClr val="tx1"/>
-              </a:solidFill>
-              <a:effectLst/>
-              <a:latin typeface="Arial" pitchFamily="34" charset="0"/>
-              <a:cs typeface="Arial" pitchFamily="34" charset="0"/>
-            </a:endParaRPr>
-          </a:p>
-        </p:txBody>
-      </p:sp>
-      <p:pic>
-        <p:nvPicPr>
-          <p:cNvPr id="2" name="Рисунок 1">
-            <a:extLst>
-              <a:ext uri="{FF2B5EF4-FFF2-40B4-BE49-F238E27FC236}">
-                <a16:creationId xmlns:a16="http://schemas.microsoft.com/office/drawing/2014/main" id="{D2A5BF1A-CE45-4BD7-A608-AAFD5CAB39F7}"/>
-              </a:ext>
-            </a:extLst>
-          </p:cNvPr>
-          <p:cNvPicPr>
-            <a:picLocks noChangeAspect="1"/>
-          </p:cNvPicPr>
-          <p:nvPr/>
-        </p:nvPicPr>
-        <p:blipFill>
-          <a:blip r:embed="rId2"/>
-          <a:stretch>
-            <a:fillRect/>
-          </a:stretch>
-        </p:blipFill>
-        <p:spPr>
-          <a:xfrm>
-            <a:off x="3611301" y="3645024"/>
-            <a:ext cx="4876800" cy="3038475"/>
-          </a:xfrm>
-          <a:prstGeom prst="rect">
-            <a:avLst/>
-          </a:prstGeom>
-        </p:spPr>
-      </p:pic>
-    </p:spTree>
-  </p:cSld>
-  <p:clrMapOvr>
-    <a:masterClrMapping/>
-  </p:clrMapOvr>
-</p:sld>
-</file>
-
-<file path=ppt/slides/slide11.xml><?xml version="1.0" encoding="utf-8"?>
-<p:sld xmlns:a="http://schemas.openxmlformats.org/drawingml/2006/main" xmlns:r="http://schemas.openxmlformats.org/officeDocument/2006/relationships" xmlns:p="http://schemas.openxmlformats.org/presentationml/2006/main">
-  <p:cSld>
-    <p:spTree>
-      <p:nvGrpSpPr>
-        <p:cNvPr id="1" name=""/>
-        <p:cNvGrpSpPr/>
-        <p:nvPr/>
-      </p:nvGrpSpPr>
-      <p:grpSpPr>
-        <a:xfrm>
-          <a:off x="0" y="0"/>
-          <a:ext cx="0" cy="0"/>
-          <a:chOff x="0" y="0"/>
-          <a:chExt cx="0" cy="0"/>
-        </a:xfrm>
-      </p:grpSpPr>
-      <p:sp>
-        <p:nvSpPr>
           <p:cNvPr id="2" name="Прямоугольник 1"/>
           <p:cNvSpPr/>
           <p:nvPr/>
@@ -3709,7 +3300,7 @@
 </p:sld>
 </file>
 
-<file path=ppt/slides/slide12.xml><?xml version="1.0" encoding="utf-8"?>
+<file path=ppt/slides/slide11.xml><?xml version="1.0" encoding="utf-8"?>
 <p:sld xmlns:a="http://schemas.openxmlformats.org/drawingml/2006/main" xmlns:r="http://schemas.openxmlformats.org/officeDocument/2006/relationships" xmlns:p="http://schemas.openxmlformats.org/presentationml/2006/main">
   <p:cSld>
     <p:spTree>
@@ -4219,7 +3810,7 @@
 </p:sld>
 </file>
 
-<file path=ppt/slides/slide13.xml><?xml version="1.0" encoding="utf-8"?>
+<file path=ppt/slides/slide12.xml><?xml version="1.0" encoding="utf-8"?>
 <p:sld xmlns:a="http://schemas.openxmlformats.org/drawingml/2006/main" xmlns:r="http://schemas.openxmlformats.org/officeDocument/2006/relationships" xmlns:p="http://schemas.openxmlformats.org/presentationml/2006/main">
   <p:cSld>
     <p:spTree>
@@ -5155,7 +4746,7 @@
 </p:sld>
 </file>
 
-<file path=ppt/slides/slide14.xml><?xml version="1.0" encoding="utf-8"?>
+<file path=ppt/slides/slide13.xml><?xml version="1.0" encoding="utf-8"?>
 <p:sld xmlns:a="http://schemas.openxmlformats.org/drawingml/2006/main" xmlns:r="http://schemas.openxmlformats.org/officeDocument/2006/relationships" xmlns:p="http://schemas.openxmlformats.org/presentationml/2006/main">
   <p:cSld>
     <p:spTree>
@@ -5744,7 +5335,7 @@
 </p:sld>
 </file>
 
-<file path=ppt/slides/slide15.xml><?xml version="1.0" encoding="utf-8"?>
+<file path=ppt/slides/slide14.xml><?xml version="1.0" encoding="utf-8"?>
 <p:sld xmlns:a="http://schemas.openxmlformats.org/drawingml/2006/main" xmlns:r="http://schemas.openxmlformats.org/officeDocument/2006/relationships" xmlns:p="http://schemas.openxmlformats.org/presentationml/2006/main">
   <p:cSld>
     <p:spTree>
@@ -5953,7 +5544,7 @@
 </p:sld>
 </file>
 
-<file path=ppt/slides/slide16.xml><?xml version="1.0" encoding="utf-8"?>
+<file path=ppt/slides/slide15.xml><?xml version="1.0" encoding="utf-8"?>
 <p:sld xmlns:a="http://schemas.openxmlformats.org/drawingml/2006/main" xmlns:r="http://schemas.openxmlformats.org/officeDocument/2006/relationships" xmlns:p="http://schemas.openxmlformats.org/presentationml/2006/main">
   <p:cSld>
     <p:spTree>
@@ -6677,146 +6268,6 @@
           <a:chExt cx="0" cy="0"/>
         </a:xfrm>
       </p:grpSpPr>
-      <p:sp>
-        <p:nvSpPr>
-          <p:cNvPr id="2" name="Прямоугольник 1"/>
-          <p:cNvSpPr/>
-          <p:nvPr/>
-        </p:nvSpPr>
-        <p:spPr>
-          <a:xfrm>
-            <a:off x="357158" y="1000108"/>
-            <a:ext cx="4572000" cy="923330"/>
-          </a:xfrm>
-          <a:prstGeom prst="rect">
-            <a:avLst/>
-          </a:prstGeom>
-        </p:spPr>
-        <p:txBody>
-          <a:bodyPr>
-            <a:spAutoFit/>
-          </a:bodyPr>
-          <a:lstStyle/>
-          <a:p>
-            <a:r>
-              <a:rPr lang="ru-RU" dirty="0"/>
-              <a:t> 10.  0.  0.  0 - 10. 255.255.255</a:t>
-            </a:r>
-          </a:p>
-          <a:p>
-            <a:r>
-              <a:rPr lang="ru-RU" dirty="0"/>
-              <a:t>172. 16.  0.  0 - 172. 31.255.255</a:t>
-            </a:r>
-          </a:p>
-          <a:p>
-            <a:r>
-              <a:rPr lang="ru-RU" dirty="0"/>
-              <a:t>192.168.  0.  0 - 192.168.255.255</a:t>
-            </a:r>
-          </a:p>
-        </p:txBody>
-      </p:sp>
-      <p:sp>
-        <p:nvSpPr>
-          <p:cNvPr id="3" name="TextBox 2"/>
-          <p:cNvSpPr txBox="1"/>
-          <p:nvPr/>
-        </p:nvSpPr>
-        <p:spPr>
-          <a:xfrm>
-            <a:off x="428596" y="285728"/>
-            <a:ext cx="700833" cy="461665"/>
-          </a:xfrm>
-          <a:prstGeom prst="rect">
-            <a:avLst/>
-          </a:prstGeom>
-          <a:noFill/>
-        </p:spPr>
-        <p:txBody>
-          <a:bodyPr wrap="none" rtlCol="0">
-            <a:spAutoFit/>
-          </a:bodyPr>
-          <a:lstStyle/>
-          <a:p>
-            <a:r>
-              <a:rPr lang="en-US" sz="2400" b="1" dirty="0"/>
-              <a:t>NAT</a:t>
-            </a:r>
-            <a:endParaRPr lang="ru-RU" sz="2400" b="1" dirty="0"/>
-          </a:p>
-        </p:txBody>
-      </p:sp>
-      <p:sp>
-        <p:nvSpPr>
-          <p:cNvPr id="4" name="Прямоугольник 3"/>
-          <p:cNvSpPr/>
-          <p:nvPr/>
-        </p:nvSpPr>
-        <p:spPr>
-          <a:xfrm>
-            <a:off x="285720" y="2214554"/>
-            <a:ext cx="7072362" cy="707886"/>
-          </a:xfrm>
-          <a:prstGeom prst="rect">
-            <a:avLst/>
-          </a:prstGeom>
-        </p:spPr>
-        <p:txBody>
-          <a:bodyPr wrap="square">
-            <a:spAutoFit/>
-          </a:bodyPr>
-          <a:lstStyle/>
-          <a:p>
-            <a:r>
-              <a:rPr lang="en-US" sz="2000" dirty="0"/>
-              <a:t>whatsmyip.org ("Your IP Address is </a:t>
-            </a:r>
-            <a:r>
-              <a:rPr lang="en-US" sz="2000" dirty="0" err="1"/>
-              <a:t>x.x.x.x</a:t>
-            </a:r>
-            <a:r>
-              <a:rPr lang="en-US" sz="2000" dirty="0"/>
-              <a:t>" </a:t>
-            </a:r>
-            <a:r>
-              <a:rPr lang="ru-RU" sz="2000" dirty="0"/>
-              <a:t>вверху страницы) </a:t>
-            </a:r>
-            <a:r>
-              <a:rPr lang="en-US" sz="2000" dirty="0"/>
-              <a:t>myipaddress.com.</a:t>
-            </a:r>
-            <a:endParaRPr lang="ru-RU" sz="2000" dirty="0"/>
-          </a:p>
-        </p:txBody>
-      </p:sp>
-    </p:spTree>
-  </p:cSld>
-  <p:clrMapOvr>
-    <a:masterClrMapping/>
-  </p:clrMapOvr>
-</p:sld>
-</file>
-
-<file path=ppt/slides/slide6.xml><?xml version="1.0" encoding="utf-8"?>
-<p:sld xmlns:a="http://schemas.openxmlformats.org/drawingml/2006/main" xmlns:r="http://schemas.openxmlformats.org/officeDocument/2006/relationships" xmlns:p="http://schemas.openxmlformats.org/presentationml/2006/main">
-  <p:cSld>
-    <p:spTree>
-      <p:nvGrpSpPr>
-        <p:cNvPr id="1" name=""/>
-        <p:cNvGrpSpPr/>
-        <p:nvPr/>
-      </p:nvGrpSpPr>
-      <p:grpSpPr>
-        <a:xfrm>
-          <a:off x="0" y="0"/>
-          <a:ext cx="0" cy="0"/>
-          <a:chOff x="0" y="0"/>
-          <a:chExt cx="0" cy="0"/>
-        </a:xfrm>
-      </p:grpSpPr>
       <p:pic>
         <p:nvPicPr>
           <p:cNvPr id="4098" name="Picture 2"/>
@@ -6888,7 +6339,7 @@
 </p:sld>
 </file>
 
-<file path=ppt/slides/slide7.xml><?xml version="1.0" encoding="utf-8"?>
+<file path=ppt/slides/slide6.xml><?xml version="1.0" encoding="utf-8"?>
 <p:sld xmlns:a="http://schemas.openxmlformats.org/drawingml/2006/main" xmlns:r="http://schemas.openxmlformats.org/officeDocument/2006/relationships" xmlns:p="http://schemas.openxmlformats.org/presentationml/2006/main">
   <p:cSld>
     <p:spTree>
@@ -6976,7 +6427,7 @@
 </p:sld>
 </file>
 
-<file path=ppt/slides/slide8.xml><?xml version="1.0" encoding="utf-8"?>
+<file path=ppt/slides/slide7.xml><?xml version="1.0" encoding="utf-8"?>
 <p:sld xmlns:a="http://schemas.openxmlformats.org/drawingml/2006/main" xmlns:r="http://schemas.openxmlformats.org/officeDocument/2006/relationships" xmlns:p="http://schemas.openxmlformats.org/presentationml/2006/main">
   <p:cSld>
     <p:spTree>
@@ -8146,6 +7597,291 @@
               <a:latin typeface="Arial" pitchFamily="34" charset="0"/>
               <a:cs typeface="Arial" pitchFamily="34" charset="0"/>
             </a:endParaRPr>
+          </a:p>
+        </p:txBody>
+      </p:sp>
+    </p:spTree>
+  </p:cSld>
+  <p:clrMapOvr>
+    <a:masterClrMapping/>
+  </p:clrMapOvr>
+</p:sld>
+</file>
+
+<file path=ppt/slides/slide8.xml><?xml version="1.0" encoding="utf-8"?>
+<p:sld xmlns:a="http://schemas.openxmlformats.org/drawingml/2006/main" xmlns:r="http://schemas.openxmlformats.org/officeDocument/2006/relationships" xmlns:p="http://schemas.openxmlformats.org/presentationml/2006/main">
+  <p:cSld>
+    <p:spTree>
+      <p:nvGrpSpPr>
+        <p:cNvPr id="1" name=""/>
+        <p:cNvGrpSpPr/>
+        <p:nvPr/>
+      </p:nvGrpSpPr>
+      <p:grpSpPr>
+        <a:xfrm>
+          <a:off x="0" y="0"/>
+          <a:ext cx="0" cy="0"/>
+          <a:chOff x="0" y="0"/>
+          <a:chExt cx="0" cy="0"/>
+        </a:xfrm>
+      </p:grpSpPr>
+      <p:sp>
+        <p:nvSpPr>
+          <p:cNvPr id="2" name="Прямоугольник 1"/>
+          <p:cNvSpPr/>
+          <p:nvPr/>
+        </p:nvSpPr>
+        <p:spPr>
+          <a:xfrm>
+            <a:off x="142844" y="142852"/>
+            <a:ext cx="3898568" cy="369332"/>
+          </a:xfrm>
+          <a:prstGeom prst="rect">
+            <a:avLst/>
+          </a:prstGeom>
+        </p:spPr>
+        <p:txBody>
+          <a:bodyPr wrap="none">
+            <a:spAutoFit/>
+          </a:bodyPr>
+          <a:lstStyle/>
+          <a:p>
+            <a:r>
+              <a:rPr lang="en-US" b="1" dirty="0"/>
+              <a:t>NAT</a:t>
+            </a:r>
+            <a:r>
+              <a:rPr lang="ru-RU" b="1" dirty="0"/>
+              <a:t> выполняет три важных функции</a:t>
+            </a:r>
+          </a:p>
+        </p:txBody>
+      </p:sp>
+      <p:sp>
+        <p:nvSpPr>
+          <p:cNvPr id="3" name="Прямоугольник 2"/>
+          <p:cNvSpPr/>
+          <p:nvPr/>
+        </p:nvSpPr>
+        <p:spPr>
+          <a:xfrm>
+            <a:off x="571472" y="714356"/>
+            <a:ext cx="3577078" cy="369332"/>
+          </a:xfrm>
+          <a:prstGeom prst="rect">
+            <a:avLst/>
+          </a:prstGeom>
+        </p:spPr>
+        <p:txBody>
+          <a:bodyPr wrap="square">
+            <a:spAutoFit/>
+          </a:bodyPr>
+          <a:lstStyle/>
+          <a:p>
+            <a:r>
+              <a:rPr lang="ru-RU" dirty="0"/>
+              <a:t>Позволяет сэкономить </a:t>
+            </a:r>
+            <a:r>
+              <a:rPr lang="en-US" dirty="0"/>
+              <a:t>IP</a:t>
+            </a:r>
+            <a:r>
+              <a:rPr lang="ru-RU" dirty="0"/>
+              <a:t>-адреса</a:t>
+            </a:r>
+            <a:r>
+              <a:rPr lang="en-US" dirty="0"/>
+              <a:t>.</a:t>
+            </a:r>
+            <a:r>
+              <a:rPr lang="ru-RU" dirty="0"/>
+              <a:t> </a:t>
+            </a:r>
+          </a:p>
+        </p:txBody>
+      </p:sp>
+      <p:sp>
+        <p:nvSpPr>
+          <p:cNvPr id="4" name="Прямоугольник 3"/>
+          <p:cNvSpPr/>
+          <p:nvPr/>
+        </p:nvSpPr>
+        <p:spPr>
+          <a:xfrm>
+            <a:off x="571472" y="1142984"/>
+            <a:ext cx="8286808" cy="646331"/>
+          </a:xfrm>
+          <a:prstGeom prst="rect">
+            <a:avLst/>
+          </a:prstGeom>
+        </p:spPr>
+        <p:txBody>
+          <a:bodyPr wrap="square">
+            <a:spAutoFit/>
+          </a:bodyPr>
+          <a:lstStyle/>
+          <a:p>
+            <a:r>
+              <a:rPr lang="ru-RU" dirty="0"/>
+              <a:t>Позволяет предотвратить или ограничить обращение снаружи ко внутренним хостам, оставляя возможность обращения изнутри наружу.</a:t>
+            </a:r>
+          </a:p>
+        </p:txBody>
+      </p:sp>
+      <p:sp>
+        <p:nvSpPr>
+          <p:cNvPr id="5" name="Прямоугольник 4"/>
+          <p:cNvSpPr/>
+          <p:nvPr/>
+        </p:nvSpPr>
+        <p:spPr>
+          <a:xfrm>
+            <a:off x="571472" y="1785926"/>
+            <a:ext cx="7786742" cy="646331"/>
+          </a:xfrm>
+          <a:prstGeom prst="rect">
+            <a:avLst/>
+          </a:prstGeom>
+        </p:spPr>
+        <p:txBody>
+          <a:bodyPr wrap="square">
+            <a:spAutoFit/>
+          </a:bodyPr>
+          <a:lstStyle/>
+          <a:p>
+            <a:r>
+              <a:rPr lang="ru-RU" dirty="0"/>
+              <a:t>Позволяет скрыть определённые внутренние сервисы внутренних хостов/серверов. </a:t>
+            </a:r>
+          </a:p>
+        </p:txBody>
+      </p:sp>
+      <p:sp>
+        <p:nvSpPr>
+          <p:cNvPr id="6" name="Прямоугольник 5"/>
+          <p:cNvSpPr/>
+          <p:nvPr/>
+        </p:nvSpPr>
+        <p:spPr>
+          <a:xfrm>
+            <a:off x="214282" y="2643182"/>
+            <a:ext cx="1329338" cy="369332"/>
+          </a:xfrm>
+          <a:prstGeom prst="rect">
+            <a:avLst/>
+          </a:prstGeom>
+        </p:spPr>
+        <p:txBody>
+          <a:bodyPr wrap="none">
+            <a:spAutoFit/>
+          </a:bodyPr>
+          <a:lstStyle/>
+          <a:p>
+            <a:r>
+              <a:rPr lang="ru-RU" b="1" dirty="0"/>
+              <a:t>Недостатки</a:t>
+            </a:r>
+          </a:p>
+        </p:txBody>
+      </p:sp>
+      <p:sp>
+        <p:nvSpPr>
+          <p:cNvPr id="7" name="Прямоугольник 6"/>
+          <p:cNvSpPr/>
+          <p:nvPr/>
+        </p:nvSpPr>
+        <p:spPr>
+          <a:xfrm>
+            <a:off x="571472" y="3143248"/>
+            <a:ext cx="8215370" cy="646331"/>
+          </a:xfrm>
+          <a:prstGeom prst="rect">
+            <a:avLst/>
+          </a:prstGeom>
+        </p:spPr>
+        <p:txBody>
+          <a:bodyPr wrap="square">
+            <a:spAutoFit/>
+          </a:bodyPr>
+          <a:lstStyle/>
+          <a:p>
+            <a:r>
+              <a:rPr lang="ru-RU" dirty="0"/>
+              <a:t>При использовании NAT хосты </a:t>
+            </a:r>
+            <a:r>
+              <a:rPr lang="ru-RU" dirty="0" err="1"/>
+              <a:t>Internet</a:t>
+            </a:r>
+            <a:r>
+              <a:rPr lang="ru-RU" dirty="0"/>
+              <a:t> взаимодействуют напрямую с NAT-устройством, а не с реальным хостом в частной сети. </a:t>
+            </a:r>
+          </a:p>
+        </p:txBody>
+      </p:sp>
+      <p:sp>
+        <p:nvSpPr>
+          <p:cNvPr id="8" name="Прямоугольник 7"/>
+          <p:cNvSpPr/>
+          <p:nvPr/>
+        </p:nvSpPr>
+        <p:spPr>
+          <a:xfrm>
+            <a:off x="642910" y="3929066"/>
+            <a:ext cx="7786742" cy="369332"/>
+          </a:xfrm>
+          <a:prstGeom prst="rect">
+            <a:avLst/>
+          </a:prstGeom>
+        </p:spPr>
+        <p:txBody>
+          <a:bodyPr wrap="square">
+            <a:spAutoFit/>
+          </a:bodyPr>
+          <a:lstStyle/>
+          <a:p>
+            <a:r>
+              <a:rPr lang="ru-RU" dirty="0"/>
+              <a:t>Использование NAT к тому же усложняет работу администраторов. </a:t>
+            </a:r>
+          </a:p>
+        </p:txBody>
+      </p:sp>
+      <p:sp>
+        <p:nvSpPr>
+          <p:cNvPr id="9" name="Прямоугольник 8"/>
+          <p:cNvSpPr/>
+          <p:nvPr/>
+        </p:nvSpPr>
+        <p:spPr>
+          <a:xfrm>
+            <a:off x="642910" y="4429132"/>
+            <a:ext cx="4495911" cy="369332"/>
+          </a:xfrm>
+          <a:prstGeom prst="rect">
+            <a:avLst/>
+          </a:prstGeom>
+        </p:spPr>
+        <p:txBody>
+          <a:bodyPr wrap="none">
+            <a:spAutoFit/>
+          </a:bodyPr>
+          <a:lstStyle/>
+          <a:p>
+            <a:r>
+              <a:rPr lang="ru-RU" dirty="0"/>
+              <a:t>Не все протоколы могут «преодолеть» </a:t>
+            </a:r>
+            <a:r>
+              <a:rPr lang="en-US" dirty="0"/>
+              <a:t>NAT</a:t>
+            </a:r>
+            <a:r>
+              <a:rPr lang="ru-RU" dirty="0"/>
+              <a:t>. </a:t>
+            </a:r>
           </a:p>
         </p:txBody>
       </p:sp>
@@ -8176,264 +7912,387 @@
       </p:grpSpPr>
       <p:sp>
         <p:nvSpPr>
-          <p:cNvPr id="2" name="Прямоугольник 1"/>
-          <p:cNvSpPr/>
+          <p:cNvPr id="29697" name="Rectangle 1"/>
+          <p:cNvSpPr>
+            <a:spLocks noChangeArrowheads="1"/>
+          </p:cNvSpPr>
           <p:nvPr/>
         </p:nvSpPr>
+        <p:spPr bwMode="auto">
+          <a:xfrm>
+            <a:off x="285720" y="285728"/>
+            <a:ext cx="8215370" cy="1323439"/>
+          </a:xfrm>
+          <a:prstGeom prst="rect">
+            <a:avLst/>
+          </a:prstGeom>
+          <a:noFill/>
+          <a:ln w="9525">
+            <a:noFill/>
+            <a:miter lim="800000"/>
+            <a:headEnd/>
+            <a:tailEnd/>
+          </a:ln>
+          <a:effectLst/>
+        </p:spPr>
+        <p:txBody>
+          <a:bodyPr vert="horz" wrap="square" lIns="91440" tIns="45720" rIns="91440" bIns="45720" numCol="1" anchor="ctr" anchorCtr="0" compatLnSpc="1">
+            <a:prstTxWarp prst="textNoShape">
+              <a:avLst/>
+            </a:prstTxWarp>
+            <a:spAutoFit/>
+          </a:bodyPr>
+          <a:lstStyle/>
+          <a:p>
+            <a:pPr marL="0" marR="0" lvl="0" indent="0" algn="l" defTabSz="914400" rtl="0" eaLnBrk="1" fontAlgn="base" latinLnBrk="0" hangingPunct="1">
+              <a:lnSpc>
+                <a:spcPct val="100000"/>
+              </a:lnSpc>
+              <a:spcBef>
+                <a:spcPct val="0"/>
+              </a:spcBef>
+              <a:spcAft>
+                <a:spcPct val="0"/>
+              </a:spcAft>
+              <a:buClrTx/>
+              <a:buSzTx/>
+              <a:buFontTx/>
+              <a:buNone/>
+              <a:tabLst/>
+            </a:pPr>
+            <a:r>
+              <a:rPr kumimoji="0" lang="ru-RU" sz="2000" b="0" i="0" u="none" strike="noStrike" cap="none" normalizeH="0" baseline="0" dirty="0">
+                <a:ln>
+                  <a:noFill/>
+                </a:ln>
+                <a:solidFill>
+                  <a:schemeClr val="tx1"/>
+                </a:solidFill>
+                <a:effectLst/>
+                <a:latin typeface="Arial" pitchFamily="34" charset="0"/>
+                <a:ea typeface="Calibri" pitchFamily="34" charset="0"/>
+                <a:cs typeface="Arial" pitchFamily="34" charset="0"/>
+              </a:rPr>
+              <a:t>Межсетевой экран или сетевой экран </a:t>
+            </a:r>
+            <a:r>
+              <a:rPr kumimoji="0" lang="ru-RU" sz="2000" b="0" i="0" u="none" strike="noStrike" cap="none" normalizeH="0" baseline="0" dirty="0">
+                <a:ln>
+                  <a:noFill/>
+                </a:ln>
+                <a:solidFill>
+                  <a:schemeClr val="tx1"/>
+                </a:solidFill>
+                <a:effectLst/>
+                <a:latin typeface="Calibri"/>
+                <a:ea typeface="Calibri" pitchFamily="34" charset="0"/>
+                <a:cs typeface="Arial" pitchFamily="34" charset="0"/>
+              </a:rPr>
+              <a:t>—</a:t>
+            </a:r>
+            <a:r>
+              <a:rPr kumimoji="0" lang="ru-RU" sz="2000" b="0" i="0" u="none" strike="noStrike" cap="none" normalizeH="0" baseline="0" dirty="0">
+                <a:ln>
+                  <a:noFill/>
+                </a:ln>
+                <a:solidFill>
+                  <a:schemeClr val="tx1"/>
+                </a:solidFill>
+                <a:effectLst/>
+                <a:latin typeface="Arial" pitchFamily="34" charset="0"/>
+                <a:ea typeface="Calibri" pitchFamily="34" charset="0"/>
+                <a:cs typeface="Arial" pitchFamily="34" charset="0"/>
+              </a:rPr>
+              <a:t> комплекс аппаратных или программных средств, осуществляющий контроль и фильтрацию проходящих через него сетевых пакетов в соответствии с заданными правилами.</a:t>
+            </a:r>
+            <a:endParaRPr kumimoji="0" lang="ru-RU" sz="3200" b="0" i="0" u="none" strike="noStrike" cap="none" normalizeH="0" baseline="0" dirty="0">
+              <a:ln>
+                <a:noFill/>
+              </a:ln>
+              <a:solidFill>
+                <a:schemeClr val="tx1"/>
+              </a:solidFill>
+              <a:effectLst/>
+              <a:latin typeface="Arial" pitchFamily="34" charset="0"/>
+              <a:cs typeface="Arial" pitchFamily="34" charset="0"/>
+            </a:endParaRPr>
+          </a:p>
+        </p:txBody>
+      </p:sp>
+      <p:sp>
+        <p:nvSpPr>
+          <p:cNvPr id="29698" name="Rectangle 2"/>
+          <p:cNvSpPr>
+            <a:spLocks noChangeArrowheads="1"/>
+          </p:cNvSpPr>
+          <p:nvPr/>
+        </p:nvSpPr>
+        <p:spPr bwMode="auto">
+          <a:xfrm>
+            <a:off x="357158" y="1857364"/>
+            <a:ext cx="8501122" cy="1938992"/>
+          </a:xfrm>
+          <a:prstGeom prst="rect">
+            <a:avLst/>
+          </a:prstGeom>
+          <a:noFill/>
+          <a:ln w="9525">
+            <a:noFill/>
+            <a:miter lim="800000"/>
+            <a:headEnd/>
+            <a:tailEnd/>
+          </a:ln>
+          <a:effectLst/>
+        </p:spPr>
+        <p:txBody>
+          <a:bodyPr vert="horz" wrap="square" lIns="91440" tIns="45720" rIns="91440" bIns="45720" numCol="1" anchor="ctr" anchorCtr="0" compatLnSpc="1">
+            <a:prstTxWarp prst="textNoShape">
+              <a:avLst/>
+            </a:prstTxWarp>
+            <a:spAutoFit/>
+          </a:bodyPr>
+          <a:lstStyle/>
+          <a:p>
+            <a:pPr marL="0" marR="0" lvl="0" indent="0" algn="l" defTabSz="914400" rtl="0" eaLnBrk="1" fontAlgn="base" latinLnBrk="0" hangingPunct="1">
+              <a:lnSpc>
+                <a:spcPct val="100000"/>
+              </a:lnSpc>
+              <a:spcBef>
+                <a:spcPct val="0"/>
+              </a:spcBef>
+              <a:spcAft>
+                <a:spcPct val="0"/>
+              </a:spcAft>
+              <a:buClrTx/>
+              <a:buSzTx/>
+              <a:buFontTx/>
+              <a:buNone/>
+              <a:tabLst/>
+            </a:pPr>
+            <a:r>
+              <a:rPr kumimoji="0" lang="ru-RU" sz="2000" b="0" i="0" u="none" strike="noStrike" cap="none" normalizeH="0" baseline="0" dirty="0" err="1">
+                <a:ln>
+                  <a:noFill/>
+                </a:ln>
+                <a:solidFill>
+                  <a:schemeClr val="tx1"/>
+                </a:solidFill>
+                <a:effectLst/>
+                <a:latin typeface="Arial" pitchFamily="34" charset="0"/>
+                <a:ea typeface="Calibri" pitchFamily="34" charset="0"/>
+                <a:cs typeface="Arial" pitchFamily="34" charset="0"/>
+              </a:rPr>
+              <a:t>Брандма́уэр</a:t>
+            </a:r>
+            <a:r>
+              <a:rPr kumimoji="0" lang="ru-RU" sz="2000" b="0" i="0" u="none" strike="noStrike" cap="none" normalizeH="0" baseline="0" dirty="0">
+                <a:ln>
+                  <a:noFill/>
+                </a:ln>
+                <a:solidFill>
+                  <a:schemeClr val="tx1"/>
+                </a:solidFill>
+                <a:effectLst/>
+                <a:latin typeface="Arial" pitchFamily="34" charset="0"/>
+                <a:ea typeface="Calibri" pitchFamily="34" charset="0"/>
+                <a:cs typeface="Arial" pitchFamily="34" charset="0"/>
+              </a:rPr>
+              <a:t> (нем. </a:t>
+            </a:r>
+            <a:r>
+              <a:rPr kumimoji="0" lang="en-US" sz="2000" b="0" i="0" u="none" strike="noStrike" cap="none" normalizeH="0" baseline="0" dirty="0" err="1">
+                <a:ln>
+                  <a:noFill/>
+                </a:ln>
+                <a:solidFill>
+                  <a:schemeClr val="tx1"/>
+                </a:solidFill>
+                <a:effectLst/>
+                <a:latin typeface="Arial" pitchFamily="34" charset="0"/>
+                <a:ea typeface="Calibri" pitchFamily="34" charset="0"/>
+                <a:cs typeface="Arial" pitchFamily="34" charset="0"/>
+              </a:rPr>
+              <a:t>Brandmauer</a:t>
+            </a:r>
+            <a:r>
+              <a:rPr kumimoji="0" lang="ru-RU" sz="2000" b="0" i="0" u="none" strike="noStrike" cap="none" normalizeH="0" baseline="0" dirty="0">
+                <a:ln>
+                  <a:noFill/>
+                </a:ln>
+                <a:solidFill>
+                  <a:schemeClr val="tx1"/>
+                </a:solidFill>
+                <a:effectLst/>
+                <a:latin typeface="Arial" pitchFamily="34" charset="0"/>
+                <a:ea typeface="Calibri" pitchFamily="34" charset="0"/>
+                <a:cs typeface="Arial" pitchFamily="34" charset="0"/>
+              </a:rPr>
+              <a:t>) </a:t>
+            </a:r>
+            <a:r>
+              <a:rPr kumimoji="0" lang="ru-RU" sz="2000" b="0" i="0" u="none" strike="noStrike" cap="none" normalizeH="0" baseline="0" dirty="0">
+                <a:ln>
+                  <a:noFill/>
+                </a:ln>
+                <a:solidFill>
+                  <a:schemeClr val="tx1"/>
+                </a:solidFill>
+                <a:effectLst/>
+                <a:latin typeface="Calibri"/>
+                <a:ea typeface="Calibri" pitchFamily="34" charset="0"/>
+                <a:cs typeface="Arial" pitchFamily="34" charset="0"/>
+              </a:rPr>
+              <a:t>—</a:t>
+            </a:r>
+            <a:r>
+              <a:rPr kumimoji="0" lang="ru-RU" sz="2000" b="0" i="0" u="none" strike="noStrike" cap="none" normalizeH="0" baseline="0" dirty="0">
+                <a:ln>
+                  <a:noFill/>
+                </a:ln>
+                <a:solidFill>
+                  <a:schemeClr val="tx1"/>
+                </a:solidFill>
+                <a:effectLst/>
+                <a:latin typeface="Arial" pitchFamily="34" charset="0"/>
+                <a:ea typeface="Calibri" pitchFamily="34" charset="0"/>
+                <a:cs typeface="Arial" pitchFamily="34" charset="0"/>
+              </a:rPr>
+              <a:t> заимствованный из немецкого языка термин, являющийся аналогом английского </a:t>
+            </a:r>
+            <a:r>
+              <a:rPr kumimoji="0" lang="en-US" sz="2000" b="0" i="0" u="none" strike="noStrike" cap="none" normalizeH="0" baseline="0" dirty="0">
+                <a:ln>
+                  <a:noFill/>
+                </a:ln>
+                <a:solidFill>
+                  <a:schemeClr val="tx1"/>
+                </a:solidFill>
+                <a:effectLst/>
+                <a:latin typeface="Arial" pitchFamily="34" charset="0"/>
+                <a:ea typeface="Calibri" pitchFamily="34" charset="0"/>
+                <a:cs typeface="Arial" pitchFamily="34" charset="0"/>
+              </a:rPr>
+              <a:t>firewall</a:t>
+            </a:r>
+            <a:r>
+              <a:rPr kumimoji="0" lang="ru-RU" sz="2000" b="0" i="0" u="none" strike="noStrike" cap="none" normalizeH="0" baseline="0" dirty="0">
+                <a:ln>
+                  <a:noFill/>
+                </a:ln>
+                <a:solidFill>
+                  <a:schemeClr val="tx1"/>
+                </a:solidFill>
+                <a:effectLst/>
+                <a:latin typeface="Arial" pitchFamily="34" charset="0"/>
+                <a:ea typeface="Calibri" pitchFamily="34" charset="0"/>
+                <a:cs typeface="Arial" pitchFamily="34" charset="0"/>
+              </a:rPr>
+              <a:t> в его оригинальном значении (стена, которая разделяет смежные здания, предохраняя от распространения пожара). Интересно, что в области компьютерных технологий в немецком языке употребляется слово </a:t>
+            </a:r>
+            <a:r>
+              <a:rPr kumimoji="0" lang="ru-RU" sz="2000" b="0" i="0" u="none" strike="noStrike" cap="none" normalizeH="0" baseline="0" dirty="0">
+                <a:ln>
+                  <a:noFill/>
+                </a:ln>
+                <a:solidFill>
+                  <a:schemeClr val="tx1"/>
+                </a:solidFill>
+                <a:effectLst/>
+                <a:latin typeface="Calibri"/>
+                <a:ea typeface="Calibri" pitchFamily="34" charset="0"/>
+                <a:cs typeface="Arial" pitchFamily="34" charset="0"/>
+              </a:rPr>
+              <a:t>«</a:t>
+            </a:r>
+            <a:r>
+              <a:rPr kumimoji="0" lang="en-US" sz="2000" b="0" i="0" u="none" strike="noStrike" cap="none" normalizeH="0" baseline="0" dirty="0">
+                <a:ln>
+                  <a:noFill/>
+                </a:ln>
+                <a:solidFill>
+                  <a:schemeClr val="tx1"/>
+                </a:solidFill>
+                <a:effectLst/>
+                <a:latin typeface="Arial" pitchFamily="34" charset="0"/>
+                <a:ea typeface="Calibri" pitchFamily="34" charset="0"/>
+                <a:cs typeface="Arial" pitchFamily="34" charset="0"/>
+              </a:rPr>
+              <a:t>firewall</a:t>
+            </a:r>
+            <a:r>
+              <a:rPr kumimoji="0" lang="ru-RU" sz="2000" b="0" i="0" u="none" strike="noStrike" cap="none" normalizeH="0" baseline="0" dirty="0">
+                <a:ln>
+                  <a:noFill/>
+                </a:ln>
+                <a:solidFill>
+                  <a:schemeClr val="tx1"/>
+                </a:solidFill>
+                <a:effectLst/>
+                <a:latin typeface="Calibri"/>
+                <a:ea typeface="Calibri" pitchFamily="34" charset="0"/>
+                <a:cs typeface="Arial" pitchFamily="34" charset="0"/>
+              </a:rPr>
+              <a:t>»</a:t>
+            </a:r>
+            <a:r>
+              <a:rPr kumimoji="0" lang="ru-RU" sz="2000" b="0" i="0" u="none" strike="noStrike" cap="none" normalizeH="0" baseline="0" dirty="0">
+                <a:ln>
+                  <a:noFill/>
+                </a:ln>
+                <a:solidFill>
+                  <a:schemeClr val="tx1"/>
+                </a:solidFill>
+                <a:effectLst/>
+                <a:latin typeface="Arial" pitchFamily="34" charset="0"/>
+                <a:ea typeface="Calibri" pitchFamily="34" charset="0"/>
+                <a:cs typeface="Arial" pitchFamily="34" charset="0"/>
+              </a:rPr>
+              <a:t>.</a:t>
+            </a:r>
+            <a:endParaRPr kumimoji="0" lang="ru-RU" sz="3200" b="0" i="0" u="none" strike="noStrike" cap="none" normalizeH="0" baseline="0" dirty="0">
+              <a:ln>
+                <a:noFill/>
+              </a:ln>
+              <a:solidFill>
+                <a:schemeClr val="tx1"/>
+              </a:solidFill>
+              <a:effectLst/>
+              <a:latin typeface="Arial" pitchFamily="34" charset="0"/>
+              <a:cs typeface="Arial" pitchFamily="34" charset="0"/>
+            </a:endParaRPr>
+          </a:p>
+        </p:txBody>
+      </p:sp>
+      <p:pic>
+        <p:nvPicPr>
+          <p:cNvPr id="2" name="Рисунок 1">
+            <a:extLst>
+              <a:ext uri="{FF2B5EF4-FFF2-40B4-BE49-F238E27FC236}">
+                <a16:creationId xmlns:a16="http://schemas.microsoft.com/office/drawing/2014/main" id="{D2A5BF1A-CE45-4BD7-A608-AAFD5CAB39F7}"/>
+              </a:ext>
+            </a:extLst>
+          </p:cNvPr>
+          <p:cNvPicPr>
+            <a:picLocks noChangeAspect="1"/>
+          </p:cNvPicPr>
+          <p:nvPr/>
+        </p:nvPicPr>
+        <p:blipFill>
+          <a:blip r:embed="rId2"/>
+          <a:stretch>
+            <a:fillRect/>
+          </a:stretch>
+        </p:blipFill>
         <p:spPr>
           <a:xfrm>
-            <a:off x="142844" y="142852"/>
-            <a:ext cx="3898568" cy="369332"/>
+            <a:off x="3611301" y="3645024"/>
+            <a:ext cx="4876800" cy="3038475"/>
           </a:xfrm>
           <a:prstGeom prst="rect">
             <a:avLst/>
           </a:prstGeom>
         </p:spPr>
-        <p:txBody>
-          <a:bodyPr wrap="none">
-            <a:spAutoFit/>
-          </a:bodyPr>
-          <a:lstStyle/>
-          <a:p>
-            <a:r>
-              <a:rPr lang="en-US" b="1" dirty="0"/>
-              <a:t>NAT</a:t>
-            </a:r>
-            <a:r>
-              <a:rPr lang="ru-RU" b="1" dirty="0"/>
-              <a:t> выполняет три важных функции</a:t>
-            </a:r>
-          </a:p>
-        </p:txBody>
-      </p:sp>
-      <p:sp>
-        <p:nvSpPr>
-          <p:cNvPr id="3" name="Прямоугольник 2"/>
-          <p:cNvSpPr/>
-          <p:nvPr/>
-        </p:nvSpPr>
-        <p:spPr>
-          <a:xfrm>
-            <a:off x="571472" y="714356"/>
-            <a:ext cx="3577078" cy="369332"/>
-          </a:xfrm>
-          <a:prstGeom prst="rect">
-            <a:avLst/>
-          </a:prstGeom>
-        </p:spPr>
-        <p:txBody>
-          <a:bodyPr wrap="square">
-            <a:spAutoFit/>
-          </a:bodyPr>
-          <a:lstStyle/>
-          <a:p>
-            <a:r>
-              <a:rPr lang="ru-RU" dirty="0"/>
-              <a:t>Позволяет сэкономить </a:t>
-            </a:r>
-            <a:r>
-              <a:rPr lang="en-US" dirty="0"/>
-              <a:t>IP</a:t>
-            </a:r>
-            <a:r>
-              <a:rPr lang="ru-RU" dirty="0"/>
-              <a:t>-адреса</a:t>
-            </a:r>
-            <a:r>
-              <a:rPr lang="en-US" dirty="0"/>
-              <a:t>.</a:t>
-            </a:r>
-            <a:r>
-              <a:rPr lang="ru-RU" dirty="0"/>
-              <a:t> </a:t>
-            </a:r>
-          </a:p>
-        </p:txBody>
-      </p:sp>
-      <p:sp>
-        <p:nvSpPr>
-          <p:cNvPr id="4" name="Прямоугольник 3"/>
-          <p:cNvSpPr/>
-          <p:nvPr/>
-        </p:nvSpPr>
-        <p:spPr>
-          <a:xfrm>
-            <a:off x="571472" y="1142984"/>
-            <a:ext cx="8286808" cy="646331"/>
-          </a:xfrm>
-          <a:prstGeom prst="rect">
-            <a:avLst/>
-          </a:prstGeom>
-        </p:spPr>
-        <p:txBody>
-          <a:bodyPr wrap="square">
-            <a:spAutoFit/>
-          </a:bodyPr>
-          <a:lstStyle/>
-          <a:p>
-            <a:r>
-              <a:rPr lang="ru-RU" dirty="0"/>
-              <a:t>Позволяет предотвратить или ограничить обращение снаружи ко внутренним хостам, оставляя возможность обращения изнутри наружу.</a:t>
-            </a:r>
-          </a:p>
-        </p:txBody>
-      </p:sp>
-      <p:sp>
-        <p:nvSpPr>
-          <p:cNvPr id="5" name="Прямоугольник 4"/>
-          <p:cNvSpPr/>
-          <p:nvPr/>
-        </p:nvSpPr>
-        <p:spPr>
-          <a:xfrm>
-            <a:off x="571472" y="1785926"/>
-            <a:ext cx="7786742" cy="646331"/>
-          </a:xfrm>
-          <a:prstGeom prst="rect">
-            <a:avLst/>
-          </a:prstGeom>
-        </p:spPr>
-        <p:txBody>
-          <a:bodyPr wrap="square">
-            <a:spAutoFit/>
-          </a:bodyPr>
-          <a:lstStyle/>
-          <a:p>
-            <a:r>
-              <a:rPr lang="ru-RU" dirty="0"/>
-              <a:t>Позволяет скрыть определённые внутренние сервисы внутренних хостов/серверов. </a:t>
-            </a:r>
-          </a:p>
-        </p:txBody>
-      </p:sp>
-      <p:sp>
-        <p:nvSpPr>
-          <p:cNvPr id="6" name="Прямоугольник 5"/>
-          <p:cNvSpPr/>
-          <p:nvPr/>
-        </p:nvSpPr>
-        <p:spPr>
-          <a:xfrm>
-            <a:off x="214282" y="2643182"/>
-            <a:ext cx="1329338" cy="369332"/>
-          </a:xfrm>
-          <a:prstGeom prst="rect">
-            <a:avLst/>
-          </a:prstGeom>
-        </p:spPr>
-        <p:txBody>
-          <a:bodyPr wrap="none">
-            <a:spAutoFit/>
-          </a:bodyPr>
-          <a:lstStyle/>
-          <a:p>
-            <a:r>
-              <a:rPr lang="ru-RU" b="1" dirty="0"/>
-              <a:t>Недостатки</a:t>
-            </a:r>
-          </a:p>
-        </p:txBody>
-      </p:sp>
-      <p:sp>
-        <p:nvSpPr>
-          <p:cNvPr id="7" name="Прямоугольник 6"/>
-          <p:cNvSpPr/>
-          <p:nvPr/>
-        </p:nvSpPr>
-        <p:spPr>
-          <a:xfrm>
-            <a:off x="571472" y="3143248"/>
-            <a:ext cx="8215370" cy="646331"/>
-          </a:xfrm>
-          <a:prstGeom prst="rect">
-            <a:avLst/>
-          </a:prstGeom>
-        </p:spPr>
-        <p:txBody>
-          <a:bodyPr wrap="square">
-            <a:spAutoFit/>
-          </a:bodyPr>
-          <a:lstStyle/>
-          <a:p>
-            <a:r>
-              <a:rPr lang="ru-RU" dirty="0"/>
-              <a:t>При использовании NAT хосты </a:t>
-            </a:r>
-            <a:r>
-              <a:rPr lang="ru-RU" dirty="0" err="1"/>
-              <a:t>Internet</a:t>
-            </a:r>
-            <a:r>
-              <a:rPr lang="ru-RU" dirty="0"/>
-              <a:t> взаимодействуют напрямую с NAT-устройством, а не с реальным хостом в частной сети. </a:t>
-            </a:r>
-          </a:p>
-        </p:txBody>
-      </p:sp>
-      <p:sp>
-        <p:nvSpPr>
-          <p:cNvPr id="8" name="Прямоугольник 7"/>
-          <p:cNvSpPr/>
-          <p:nvPr/>
-        </p:nvSpPr>
-        <p:spPr>
-          <a:xfrm>
-            <a:off x="642910" y="3929066"/>
-            <a:ext cx="7786742" cy="369332"/>
-          </a:xfrm>
-          <a:prstGeom prst="rect">
-            <a:avLst/>
-          </a:prstGeom>
-        </p:spPr>
-        <p:txBody>
-          <a:bodyPr wrap="square">
-            <a:spAutoFit/>
-          </a:bodyPr>
-          <a:lstStyle/>
-          <a:p>
-            <a:r>
-              <a:rPr lang="ru-RU" dirty="0"/>
-              <a:t>Использование NAT к тому же усложняет работу администраторов. </a:t>
-            </a:r>
-          </a:p>
-        </p:txBody>
-      </p:sp>
-      <p:sp>
-        <p:nvSpPr>
-          <p:cNvPr id="9" name="Прямоугольник 8"/>
-          <p:cNvSpPr/>
-          <p:nvPr/>
-        </p:nvSpPr>
-        <p:spPr>
-          <a:xfrm>
-            <a:off x="642910" y="4429132"/>
-            <a:ext cx="4495911" cy="369332"/>
-          </a:xfrm>
-          <a:prstGeom prst="rect">
-            <a:avLst/>
-          </a:prstGeom>
-        </p:spPr>
-        <p:txBody>
-          <a:bodyPr wrap="none">
-            <a:spAutoFit/>
-          </a:bodyPr>
-          <a:lstStyle/>
-          <a:p>
-            <a:r>
-              <a:rPr lang="ru-RU" dirty="0"/>
-              <a:t>Не все протоколы могут «преодолеть» </a:t>
-            </a:r>
-            <a:r>
-              <a:rPr lang="en-US" dirty="0"/>
-              <a:t>NAT</a:t>
-            </a:r>
-            <a:r>
-              <a:rPr lang="ru-RU" dirty="0"/>
-              <a:t>. </a:t>
-            </a:r>
-          </a:p>
-        </p:txBody>
-      </p:sp>
+      </p:pic>
     </p:spTree>
   </p:cSld>
   <p:clrMapOvr>
